--- a/slides/5_ensemble_learning.pptx
+++ b/slides/5_ensemble_learning.pptx
@@ -5,10 +5,10 @@
     <p:sldMasterId id="2147483648" r:id="rId1"/>
   </p:sldMasterIdLst>
   <p:notesMasterIdLst>
-    <p:notesMasterId r:id="rId21"/>
+    <p:notesMasterId r:id="rId17"/>
   </p:notesMasterIdLst>
   <p:handoutMasterIdLst>
-    <p:handoutMasterId r:id="rId22"/>
+    <p:handoutMasterId r:id="rId18"/>
   </p:handoutMasterIdLst>
   <p:sldIdLst>
     <p:sldId id="257" r:id="rId2"/>
@@ -17,19 +17,15 @@
     <p:sldId id="277" r:id="rId5"/>
     <p:sldId id="275" r:id="rId6"/>
     <p:sldId id="276" r:id="rId7"/>
-    <p:sldId id="260" r:id="rId8"/>
+    <p:sldId id="278" r:id="rId8"/>
     <p:sldId id="261" r:id="rId9"/>
     <p:sldId id="262" r:id="rId10"/>
     <p:sldId id="263" r:id="rId11"/>
     <p:sldId id="264" r:id="rId12"/>
     <p:sldId id="265" r:id="rId13"/>
     <p:sldId id="266" r:id="rId14"/>
-    <p:sldId id="267" r:id="rId15"/>
-    <p:sldId id="271" r:id="rId16"/>
-    <p:sldId id="268" r:id="rId17"/>
-    <p:sldId id="269" r:id="rId18"/>
-    <p:sldId id="270" r:id="rId19"/>
-    <p:sldId id="272" r:id="rId20"/>
+    <p:sldId id="270" r:id="rId15"/>
+    <p:sldId id="272" r:id="rId16"/>
   </p:sldIdLst>
   <p:sldSz cx="12192000" cy="6858000"/>
   <p:notesSz cx="6797675" cy="9874250"/>
@@ -142,6 +138,85 @@
     <p1510:client id="{4B4BE8EF-EE71-4AB5-B357-D0E88CAC869B}" v="41" dt="2024-11-24T10:19:14.110"/>
   </p1510:revLst>
 </p1510:revInfo>
+</file>
+
+<file path=ppt/changesInfos/changesInfo1.xml><?xml version="1.0" encoding="utf-8"?>
+<pc:chgInfo xmlns:a="http://schemas.openxmlformats.org/drawingml/2006/main" xmlns:r="http://schemas.openxmlformats.org/officeDocument/2006/relationships" xmlns:ac="http://schemas.microsoft.com/office/drawing/2013/main/command" xmlns:pc="http://schemas.microsoft.com/office/powerpoint/2013/main/command">
+  <pc:docChgLst>
+    <pc:chgData name="Robbin Bouwmeester" userId="1dbfebabfc25a55a" providerId="LiveId" clId="{5852F325-2311-43D8-90C6-AEEAC74E8364}"/>
+    <pc:docChg chg="addSld delSld modSld">
+      <pc:chgData name="Robbin Bouwmeester" userId="1dbfebabfc25a55a" providerId="LiveId" clId="{5852F325-2311-43D8-90C6-AEEAC74E8364}" dt="2024-11-24T10:41:27.507" v="111" actId="1076"/>
+      <pc:docMkLst>
+        <pc:docMk/>
+      </pc:docMkLst>
+      <pc:sldChg chg="del">
+        <pc:chgData name="Robbin Bouwmeester" userId="1dbfebabfc25a55a" providerId="LiveId" clId="{5852F325-2311-43D8-90C6-AEEAC74E8364}" dt="2024-11-24T10:36:13.516" v="54" actId="47"/>
+        <pc:sldMkLst>
+          <pc:docMk/>
+          <pc:sldMk cId="3376430550" sldId="260"/>
+        </pc:sldMkLst>
+      </pc:sldChg>
+      <pc:sldChg chg="del">
+        <pc:chgData name="Robbin Bouwmeester" userId="1dbfebabfc25a55a" providerId="LiveId" clId="{5852F325-2311-43D8-90C6-AEEAC74E8364}" dt="2024-11-24T10:22:31.863" v="0" actId="47"/>
+        <pc:sldMkLst>
+          <pc:docMk/>
+          <pc:sldMk cId="419804066" sldId="267"/>
+        </pc:sldMkLst>
+      </pc:sldChg>
+      <pc:sldChg chg="del">
+        <pc:chgData name="Robbin Bouwmeester" userId="1dbfebabfc25a55a" providerId="LiveId" clId="{5852F325-2311-43D8-90C6-AEEAC74E8364}" dt="2024-11-24T10:22:31.863" v="0" actId="47"/>
+        <pc:sldMkLst>
+          <pc:docMk/>
+          <pc:sldMk cId="1745475178" sldId="268"/>
+        </pc:sldMkLst>
+      </pc:sldChg>
+      <pc:sldChg chg="del">
+        <pc:chgData name="Robbin Bouwmeester" userId="1dbfebabfc25a55a" providerId="LiveId" clId="{5852F325-2311-43D8-90C6-AEEAC74E8364}" dt="2024-11-24T10:22:31.863" v="0" actId="47"/>
+        <pc:sldMkLst>
+          <pc:docMk/>
+          <pc:sldMk cId="1820715527" sldId="269"/>
+        </pc:sldMkLst>
+      </pc:sldChg>
+      <pc:sldChg chg="del">
+        <pc:chgData name="Robbin Bouwmeester" userId="1dbfebabfc25a55a" providerId="LiveId" clId="{5852F325-2311-43D8-90C6-AEEAC74E8364}" dt="2024-11-24T10:22:31.863" v="0" actId="47"/>
+        <pc:sldMkLst>
+          <pc:docMk/>
+          <pc:sldMk cId="3516859904" sldId="271"/>
+        </pc:sldMkLst>
+      </pc:sldChg>
+      <pc:sldChg chg="addSp modSp mod">
+        <pc:chgData name="Robbin Bouwmeester" userId="1dbfebabfc25a55a" providerId="LiveId" clId="{5852F325-2311-43D8-90C6-AEEAC74E8364}" dt="2024-11-24T10:26:03.346" v="2" actId="1076"/>
+        <pc:sldMkLst>
+          <pc:docMk/>
+          <pc:sldMk cId="1548010638" sldId="272"/>
+        </pc:sldMkLst>
+        <pc:spChg chg="add mod">
+          <ac:chgData name="Robbin Bouwmeester" userId="1dbfebabfc25a55a" providerId="LiveId" clId="{5852F325-2311-43D8-90C6-AEEAC74E8364}" dt="2024-11-24T10:26:03.346" v="2" actId="1076"/>
+          <ac:spMkLst>
+            <pc:docMk/>
+            <pc:sldMk cId="1548010638" sldId="272"/>
+            <ac:spMk id="5" creationId="{E82FD8A4-8563-78B7-3318-05DC4D6C319C}"/>
+          </ac:spMkLst>
+        </pc:spChg>
+      </pc:sldChg>
+      <pc:sldChg chg="modSp add mod">
+        <pc:chgData name="Robbin Bouwmeester" userId="1dbfebabfc25a55a" providerId="LiveId" clId="{5852F325-2311-43D8-90C6-AEEAC74E8364}" dt="2024-11-24T10:41:27.507" v="111" actId="1076"/>
+        <pc:sldMkLst>
+          <pc:docMk/>
+          <pc:sldMk cId="4034051223" sldId="278"/>
+        </pc:sldMkLst>
+        <pc:spChg chg="mod">
+          <ac:chgData name="Robbin Bouwmeester" userId="1dbfebabfc25a55a" providerId="LiveId" clId="{5852F325-2311-43D8-90C6-AEEAC74E8364}" dt="2024-11-24T10:41:27.507" v="111" actId="1076"/>
+          <ac:spMkLst>
+            <pc:docMk/>
+            <pc:sldMk cId="4034051223" sldId="278"/>
+            <ac:spMk id="4" creationId="{74850351-B665-1124-9850-141925650539}"/>
+          </ac:spMkLst>
+        </pc:spChg>
+      </pc:sldChg>
+    </pc:docChg>
+  </pc:docChgLst>
+</pc:chgInfo>
 </file>
 
 <file path=ppt/handoutMasters/handoutMaster1.xml><?xml version="1.0" encoding="utf-8"?>
@@ -786,7 +861,7 @@
           <a:bodyPr/>
           <a:lstStyle/>
           <a:p>
-            <a:endParaRPr lang="en-US" dirty="0"/>
+            <a:endParaRPr lang="LID4096" dirty="0"/>
           </a:p>
         </p:txBody>
       </p:sp>
@@ -797,7 +872,7 @@
             <a:spLocks noGrp="1"/>
           </p:cNvSpPr>
           <p:nvPr>
-            <p:ph type="sldNum" sz="quarter" idx="10"/>
+            <p:ph type="sldNum" sz="quarter" idx="5"/>
           </p:nvPr>
         </p:nvSpPr>
         <p:spPr/>
@@ -807,259 +882,7 @@
           <a:p>
             <a:fld id="{E36C4827-840E-4EC5-B0B2-4EAAD02724FF}" type="slidenum">
               <a:rPr lang="en-US" smtClean="0"/>
-              <a:t>16</a:t>
-            </a:fld>
-            <a:endParaRPr lang="en-US"/>
-          </a:p>
-        </p:txBody>
-      </p:sp>
-    </p:spTree>
-    <p:extLst>
-      <p:ext uri="{BB962C8B-B14F-4D97-AF65-F5344CB8AC3E}">
-        <p14:creationId xmlns:p14="http://schemas.microsoft.com/office/powerpoint/2010/main" val="1401970086"/>
-      </p:ext>
-    </p:extLst>
-  </p:cSld>
-  <p:clrMapOvr>
-    <a:masterClrMapping/>
-  </p:clrMapOvr>
-</p:notes>
-</file>
-
-<file path=ppt/notesSlides/notesSlide11.xml><?xml version="1.0" encoding="utf-8"?>
-<p:notes xmlns:a="http://schemas.openxmlformats.org/drawingml/2006/main" xmlns:r="http://schemas.openxmlformats.org/officeDocument/2006/relationships" xmlns:p="http://schemas.openxmlformats.org/presentationml/2006/main">
-  <p:cSld>
-    <p:spTree>
-      <p:nvGrpSpPr>
-        <p:cNvPr id="1" name=""/>
-        <p:cNvGrpSpPr/>
-        <p:nvPr/>
-      </p:nvGrpSpPr>
-      <p:grpSpPr>
-        <a:xfrm>
-          <a:off x="0" y="0"/>
-          <a:ext cx="0" cy="0"/>
-          <a:chOff x="0" y="0"/>
-          <a:chExt cx="0" cy="0"/>
-        </a:xfrm>
-      </p:grpSpPr>
-      <p:sp>
-        <p:nvSpPr>
-          <p:cNvPr id="2" name="Slide Image Placeholder 1"/>
-          <p:cNvSpPr>
-            <a:spLocks noGrp="1" noRot="1" noChangeAspect="1"/>
-          </p:cNvSpPr>
-          <p:nvPr>
-            <p:ph type="sldImg"/>
-          </p:nvPr>
-        </p:nvSpPr>
-        <p:spPr/>
-      </p:sp>
-      <p:sp>
-        <p:nvSpPr>
-          <p:cNvPr id="3" name="Notes Placeholder 2"/>
-          <p:cNvSpPr>
-            <a:spLocks noGrp="1"/>
-          </p:cNvSpPr>
-          <p:nvPr>
-            <p:ph type="body" idx="1"/>
-          </p:nvPr>
-        </p:nvSpPr>
-        <p:spPr/>
-        <p:txBody>
-          <a:bodyPr/>
-          <a:lstStyle/>
-          <a:p>
-            <a:endParaRPr lang="en-US" dirty="0"/>
-          </a:p>
-        </p:txBody>
-      </p:sp>
-      <p:sp>
-        <p:nvSpPr>
-          <p:cNvPr id="4" name="Slide Number Placeholder 3"/>
-          <p:cNvSpPr>
-            <a:spLocks noGrp="1"/>
-          </p:cNvSpPr>
-          <p:nvPr>
-            <p:ph type="sldNum" sz="quarter" idx="10"/>
-          </p:nvPr>
-        </p:nvSpPr>
-        <p:spPr/>
-        <p:txBody>
-          <a:bodyPr/>
-          <a:lstStyle/>
-          <a:p>
-            <a:fld id="{E36C4827-840E-4EC5-B0B2-4EAAD02724FF}" type="slidenum">
-              <a:rPr lang="en-US" smtClean="0"/>
-              <a:t>17</a:t>
-            </a:fld>
-            <a:endParaRPr lang="en-US"/>
-          </a:p>
-        </p:txBody>
-      </p:sp>
-    </p:spTree>
-    <p:extLst>
-      <p:ext uri="{BB962C8B-B14F-4D97-AF65-F5344CB8AC3E}">
-        <p14:creationId xmlns:p14="http://schemas.microsoft.com/office/powerpoint/2010/main" val="2351032451"/>
-      </p:ext>
-    </p:extLst>
-  </p:cSld>
-  <p:clrMapOvr>
-    <a:masterClrMapping/>
-  </p:clrMapOvr>
-</p:notes>
-</file>
-
-<file path=ppt/notesSlides/notesSlide12.xml><?xml version="1.0" encoding="utf-8"?>
-<p:notes xmlns:a="http://schemas.openxmlformats.org/drawingml/2006/main" xmlns:r="http://schemas.openxmlformats.org/officeDocument/2006/relationships" xmlns:p="http://schemas.openxmlformats.org/presentationml/2006/main">
-  <p:cSld>
-    <p:spTree>
-      <p:nvGrpSpPr>
-        <p:cNvPr id="1" name=""/>
-        <p:cNvGrpSpPr/>
-        <p:nvPr/>
-      </p:nvGrpSpPr>
-      <p:grpSpPr>
-        <a:xfrm>
-          <a:off x="0" y="0"/>
-          <a:ext cx="0" cy="0"/>
-          <a:chOff x="0" y="0"/>
-          <a:chExt cx="0" cy="0"/>
-        </a:xfrm>
-      </p:grpSpPr>
-      <p:sp>
-        <p:nvSpPr>
-          <p:cNvPr id="2" name="Slide Image Placeholder 1"/>
-          <p:cNvSpPr>
-            <a:spLocks noGrp="1" noRot="1" noChangeAspect="1"/>
-          </p:cNvSpPr>
-          <p:nvPr>
-            <p:ph type="sldImg"/>
-          </p:nvPr>
-        </p:nvSpPr>
-        <p:spPr/>
-      </p:sp>
-      <p:sp>
-        <p:nvSpPr>
-          <p:cNvPr id="3" name="Notes Placeholder 2"/>
-          <p:cNvSpPr>
-            <a:spLocks noGrp="1"/>
-          </p:cNvSpPr>
-          <p:nvPr>
-            <p:ph type="body" idx="1"/>
-          </p:nvPr>
-        </p:nvSpPr>
-        <p:spPr/>
-        <p:txBody>
-          <a:bodyPr/>
-          <a:lstStyle/>
-          <a:p>
-            <a:endParaRPr lang="en-US" dirty="0"/>
-          </a:p>
-        </p:txBody>
-      </p:sp>
-      <p:sp>
-        <p:nvSpPr>
-          <p:cNvPr id="4" name="Slide Number Placeholder 3"/>
-          <p:cNvSpPr>
-            <a:spLocks noGrp="1"/>
-          </p:cNvSpPr>
-          <p:nvPr>
-            <p:ph type="sldNum" sz="quarter" idx="10"/>
-          </p:nvPr>
-        </p:nvSpPr>
-        <p:spPr/>
-        <p:txBody>
-          <a:bodyPr/>
-          <a:lstStyle/>
-          <a:p>
-            <a:fld id="{E36C4827-840E-4EC5-B0B2-4EAAD02724FF}" type="slidenum">
-              <a:rPr lang="en-US" smtClean="0"/>
-              <a:t>18</a:t>
-            </a:fld>
-            <a:endParaRPr lang="en-US"/>
-          </a:p>
-        </p:txBody>
-      </p:sp>
-    </p:spTree>
-    <p:extLst>
-      <p:ext uri="{BB962C8B-B14F-4D97-AF65-F5344CB8AC3E}">
-        <p14:creationId xmlns:p14="http://schemas.microsoft.com/office/powerpoint/2010/main" val="994736307"/>
-      </p:ext>
-    </p:extLst>
-  </p:cSld>
-  <p:clrMapOvr>
-    <a:masterClrMapping/>
-  </p:clrMapOvr>
-</p:notes>
-</file>
-
-<file path=ppt/notesSlides/notesSlide13.xml><?xml version="1.0" encoding="utf-8"?>
-<p:notes xmlns:a="http://schemas.openxmlformats.org/drawingml/2006/main" xmlns:r="http://schemas.openxmlformats.org/officeDocument/2006/relationships" xmlns:p="http://schemas.openxmlformats.org/presentationml/2006/main">
-  <p:cSld>
-    <p:spTree>
-      <p:nvGrpSpPr>
-        <p:cNvPr id="1" name=""/>
-        <p:cNvGrpSpPr/>
-        <p:nvPr/>
-      </p:nvGrpSpPr>
-      <p:grpSpPr>
-        <a:xfrm>
-          <a:off x="0" y="0"/>
-          <a:ext cx="0" cy="0"/>
-          <a:chOff x="0" y="0"/>
-          <a:chExt cx="0" cy="0"/>
-        </a:xfrm>
-      </p:grpSpPr>
-      <p:sp>
-        <p:nvSpPr>
-          <p:cNvPr id="2" name="Slide Image Placeholder 1"/>
-          <p:cNvSpPr>
-            <a:spLocks noGrp="1" noRot="1" noChangeAspect="1"/>
-          </p:cNvSpPr>
-          <p:nvPr>
-            <p:ph type="sldImg"/>
-          </p:nvPr>
-        </p:nvSpPr>
-        <p:spPr/>
-      </p:sp>
-      <p:sp>
-        <p:nvSpPr>
-          <p:cNvPr id="3" name="Notes Placeholder 2"/>
-          <p:cNvSpPr>
-            <a:spLocks noGrp="1"/>
-          </p:cNvSpPr>
-          <p:nvPr>
-            <p:ph type="body" idx="1"/>
-          </p:nvPr>
-        </p:nvSpPr>
-        <p:spPr/>
-        <p:txBody>
-          <a:bodyPr/>
-          <a:lstStyle/>
-          <a:p>
-            <a:endParaRPr lang="LID4096" dirty="0"/>
-          </a:p>
-        </p:txBody>
-      </p:sp>
-      <p:sp>
-        <p:nvSpPr>
-          <p:cNvPr id="4" name="Slide Number Placeholder 3"/>
-          <p:cNvSpPr>
-            <a:spLocks noGrp="1"/>
-          </p:cNvSpPr>
-          <p:nvPr>
-            <p:ph type="sldNum" sz="quarter" idx="5"/>
-          </p:nvPr>
-        </p:nvSpPr>
-        <p:spPr/>
-        <p:txBody>
-          <a:bodyPr/>
-          <a:lstStyle/>
-          <a:p>
-            <a:fld id="{E36C4827-840E-4EC5-B0B2-4EAAD02724FF}" type="slidenum">
-              <a:rPr lang="en-US" smtClean="0"/>
-              <a:t>19</a:t>
+              <a:t>15</a:t>
             </a:fld>
             <a:endParaRPr lang="en-US"/>
           </a:p>
@@ -1083,7 +906,13 @@
   <p:cSld>
     <p:spTree>
       <p:nvGrpSpPr>
-        <p:cNvPr id="1" name=""/>
+        <p:cNvPr id="1" name="">
+          <a:extLst>
+            <a:ext uri="{FF2B5EF4-FFF2-40B4-BE49-F238E27FC236}">
+              <a16:creationId xmlns:a16="http://schemas.microsoft.com/office/drawing/2014/main" id="{EBC7C1C5-818D-FD3F-61D5-CB65735B773A}"/>
+            </a:ext>
+          </a:extLst>
+        </p:cNvPr>
         <p:cNvGrpSpPr/>
         <p:nvPr/>
       </p:nvGrpSpPr>
@@ -1097,7 +926,13 @@
       </p:grpSpPr>
       <p:sp>
         <p:nvSpPr>
-          <p:cNvPr id="2" name="Slide Image Placeholder 1"/>
+          <p:cNvPr id="2" name="Slide Image Placeholder 1">
+            <a:extLst>
+              <a:ext uri="{FF2B5EF4-FFF2-40B4-BE49-F238E27FC236}">
+                <a16:creationId xmlns:a16="http://schemas.microsoft.com/office/drawing/2014/main" id="{6035F7DE-3360-EE62-7B94-1305EC070ECC}"/>
+              </a:ext>
+            </a:extLst>
+          </p:cNvPr>
           <p:cNvSpPr>
             <a:spLocks noGrp="1" noRot="1" noChangeAspect="1"/>
           </p:cNvSpPr>
@@ -1109,7 +944,13 @@
       </p:sp>
       <p:sp>
         <p:nvSpPr>
-          <p:cNvPr id="3" name="Notes Placeholder 2"/>
+          <p:cNvPr id="3" name="Notes Placeholder 2">
+            <a:extLst>
+              <a:ext uri="{FF2B5EF4-FFF2-40B4-BE49-F238E27FC236}">
+                <a16:creationId xmlns:a16="http://schemas.microsoft.com/office/drawing/2014/main" id="{B7CDB314-1269-A147-CF93-E301DAE80775}"/>
+              </a:ext>
+            </a:extLst>
+          </p:cNvPr>
           <p:cNvSpPr>
             <a:spLocks noGrp="1"/>
           </p:cNvSpPr>
@@ -1128,7 +969,13 @@
       </p:sp>
       <p:sp>
         <p:nvSpPr>
-          <p:cNvPr id="4" name="Slide Number Placeholder 3"/>
+          <p:cNvPr id="4" name="Slide Number Placeholder 3">
+            <a:extLst>
+              <a:ext uri="{FF2B5EF4-FFF2-40B4-BE49-F238E27FC236}">
+                <a16:creationId xmlns:a16="http://schemas.microsoft.com/office/drawing/2014/main" id="{0C91F4A5-375B-DCDA-1C26-9D0BE3B72E67}"/>
+              </a:ext>
+            </a:extLst>
+          </p:cNvPr>
           <p:cNvSpPr>
             <a:spLocks noGrp="1"/>
           </p:cNvSpPr>
@@ -1152,7 +999,7 @@
     </p:spTree>
     <p:extLst>
       <p:ext uri="{BB962C8B-B14F-4D97-AF65-F5344CB8AC3E}">
-        <p14:creationId xmlns:p14="http://schemas.microsoft.com/office/powerpoint/2010/main" val="3878176860"/>
+        <p14:creationId xmlns:p14="http://schemas.microsoft.com/office/powerpoint/2010/main" val="273506988"/>
       </p:ext>
     </p:extLst>
   </p:cSld>
@@ -1740,7 +1587,7 @@
     </p:spTree>
     <p:extLst>
       <p:ext uri="{BB962C8B-B14F-4D97-AF65-F5344CB8AC3E}">
-        <p14:creationId xmlns:p14="http://schemas.microsoft.com/office/powerpoint/2010/main" val="265659658"/>
+        <p14:creationId xmlns:p14="http://schemas.microsoft.com/office/powerpoint/2010/main" val="994736307"/>
       </p:ext>
     </p:extLst>
   </p:cSld>
@@ -5863,687 +5710,6 @@
       </p:grpSpPr>
       <p:pic>
         <p:nvPicPr>
-          <p:cNvPr id="3" name="Picture 2">
-            <a:extLst>
-              <a:ext uri="{FF2B5EF4-FFF2-40B4-BE49-F238E27FC236}">
-                <a16:creationId xmlns:a16="http://schemas.microsoft.com/office/drawing/2014/main" id="{FD15CDA8-0348-442D-B59A-21F539FCD048}"/>
-              </a:ext>
-            </a:extLst>
-          </p:cNvPr>
-          <p:cNvPicPr>
-            <a:picLocks noChangeAspect="1"/>
-          </p:cNvPicPr>
-          <p:nvPr/>
-        </p:nvPicPr>
-        <p:blipFill>
-          <a:blip r:embed="rId3"/>
-          <a:stretch>
-            <a:fillRect/>
-          </a:stretch>
-        </p:blipFill>
-        <p:spPr>
-          <a:xfrm>
-            <a:off x="1434877" y="1190386"/>
-            <a:ext cx="7985020" cy="3522979"/>
-          </a:xfrm>
-          <a:prstGeom prst="rect">
-            <a:avLst/>
-          </a:prstGeom>
-        </p:spPr>
-      </p:pic>
-      <p:pic>
-        <p:nvPicPr>
-          <p:cNvPr id="6" name="Picture 5">
-            <a:extLst>
-              <a:ext uri="{FF2B5EF4-FFF2-40B4-BE49-F238E27FC236}">
-                <a16:creationId xmlns:a16="http://schemas.microsoft.com/office/drawing/2014/main" id="{C24B8D57-B84E-4A0B-B49C-E189265A0953}"/>
-              </a:ext>
-            </a:extLst>
-          </p:cNvPr>
-          <p:cNvPicPr>
-            <a:picLocks noChangeAspect="1"/>
-          </p:cNvPicPr>
-          <p:nvPr/>
-        </p:nvPicPr>
-        <p:blipFill>
-          <a:blip r:embed="rId4"/>
-          <a:stretch>
-            <a:fillRect/>
-          </a:stretch>
-        </p:blipFill>
-        <p:spPr>
-          <a:xfrm>
-            <a:off x="4639487" y="4984220"/>
-            <a:ext cx="2821276" cy="1180875"/>
-          </a:xfrm>
-          <a:prstGeom prst="rect">
-            <a:avLst/>
-          </a:prstGeom>
-        </p:spPr>
-      </p:pic>
-      <p:pic>
-        <p:nvPicPr>
-          <p:cNvPr id="4" name="Picture 3">
-            <a:extLst>
-              <a:ext uri="{FF2B5EF4-FFF2-40B4-BE49-F238E27FC236}">
-                <a16:creationId xmlns:a16="http://schemas.microsoft.com/office/drawing/2014/main" id="{5E78D335-2BAC-4334-951C-9B16ABF226B8}"/>
-              </a:ext>
-            </a:extLst>
-          </p:cNvPr>
-          <p:cNvPicPr>
-            <a:picLocks noChangeAspect="1"/>
-          </p:cNvPicPr>
-          <p:nvPr/>
-        </p:nvPicPr>
-        <p:blipFill>
-          <a:blip r:embed="rId5"/>
-          <a:stretch>
-            <a:fillRect/>
-          </a:stretch>
-        </p:blipFill>
-        <p:spPr>
-          <a:xfrm>
-            <a:off x="8335935" y="1190386"/>
-            <a:ext cx="1659404" cy="464633"/>
-          </a:xfrm>
-          <a:prstGeom prst="rect">
-            <a:avLst/>
-          </a:prstGeom>
-        </p:spPr>
-      </p:pic>
-      <p:sp>
-        <p:nvSpPr>
-          <p:cNvPr id="5" name="Rectangle 4">
-            <a:extLst>
-              <a:ext uri="{FF2B5EF4-FFF2-40B4-BE49-F238E27FC236}">
-                <a16:creationId xmlns:a16="http://schemas.microsoft.com/office/drawing/2014/main" id="{CEE6BB88-E2B2-480A-AAD4-7F94FA38CBD5}"/>
-              </a:ext>
-            </a:extLst>
-          </p:cNvPr>
-          <p:cNvSpPr/>
-          <p:nvPr/>
-        </p:nvSpPr>
-        <p:spPr>
-          <a:xfrm>
-            <a:off x="8150772" y="1001110"/>
-            <a:ext cx="1954925" cy="764628"/>
-          </a:xfrm>
-          <a:prstGeom prst="rect">
-            <a:avLst/>
-          </a:prstGeom>
-          <a:noFill/>
-          <a:ln>
-            <a:solidFill>
-              <a:srgbClr val="FF0000"/>
-            </a:solidFill>
-          </a:ln>
-        </p:spPr>
-        <p:style>
-          <a:lnRef idx="2">
-            <a:schemeClr val="accent1">
-              <a:shade val="50000"/>
-            </a:schemeClr>
-          </a:lnRef>
-          <a:fillRef idx="1">
-            <a:schemeClr val="accent1"/>
-          </a:fillRef>
-          <a:effectRef idx="0">
-            <a:schemeClr val="accent1"/>
-          </a:effectRef>
-          <a:fontRef idx="minor">
-            <a:schemeClr val="lt1"/>
-          </a:fontRef>
-        </p:style>
-        <p:txBody>
-          <a:bodyPr rtlCol="0" anchor="ctr"/>
-          <a:lstStyle/>
-          <a:p>
-            <a:pPr algn="ctr"/>
-            <a:endParaRPr lang="nl-BE" dirty="0"/>
-          </a:p>
-        </p:txBody>
-      </p:sp>
-      <p:sp>
-        <p:nvSpPr>
-          <p:cNvPr id="7" name="TextBox 6">
-            <a:extLst>
-              <a:ext uri="{FF2B5EF4-FFF2-40B4-BE49-F238E27FC236}">
-                <a16:creationId xmlns:a16="http://schemas.microsoft.com/office/drawing/2014/main" id="{120110C1-B22B-FF93-BE2B-5779077CA275}"/>
-              </a:ext>
-            </a:extLst>
-          </p:cNvPr>
-          <p:cNvSpPr txBox="1"/>
-          <p:nvPr/>
-        </p:nvSpPr>
-        <p:spPr>
-          <a:xfrm>
-            <a:off x="241301" y="129804"/>
-            <a:ext cx="11747500" cy="523220"/>
-          </a:xfrm>
-          <a:prstGeom prst="rect">
-            <a:avLst/>
-          </a:prstGeom>
-          <a:noFill/>
-        </p:spPr>
-        <p:txBody>
-          <a:bodyPr wrap="square" rtlCol="0">
-            <a:spAutoFit/>
-          </a:bodyPr>
-          <a:lstStyle/>
-          <a:p>
-            <a:r>
-              <a:rPr lang="en-US" sz="2800" dirty="0">
-                <a:latin typeface="+mj-lt"/>
-                <a:ea typeface="Lato" panose="020B0604020202020204" pitchFamily="34" charset="0"/>
-                <a:cs typeface="Helvetica" panose="020B0604020202020204" pitchFamily="34" charset="0"/>
-              </a:rPr>
-              <a:t>boosting: </a:t>
-            </a:r>
-            <a:r>
-              <a:rPr lang="en-US" sz="2800" dirty="0" err="1">
-                <a:latin typeface="+mj-lt"/>
-                <a:ea typeface="Lato" panose="020B0604020202020204" pitchFamily="34" charset="0"/>
-                <a:cs typeface="Helvetica" panose="020B0604020202020204" pitchFamily="34" charset="0"/>
-              </a:rPr>
-              <a:t>Adaboost</a:t>
-            </a:r>
-            <a:endParaRPr lang="en-GB" sz="2800" dirty="0">
-              <a:latin typeface="+mj-lt"/>
-              <a:ea typeface="Lato" panose="020B0604020202020204" pitchFamily="34" charset="0"/>
-              <a:cs typeface="Helvetica" panose="020B0604020202020204" pitchFamily="34" charset="0"/>
-            </a:endParaRPr>
-          </a:p>
-        </p:txBody>
-      </p:sp>
-    </p:spTree>
-    <p:extLst>
-      <p:ext uri="{BB962C8B-B14F-4D97-AF65-F5344CB8AC3E}">
-        <p14:creationId xmlns:p14="http://schemas.microsoft.com/office/powerpoint/2010/main" val="419804066"/>
-      </p:ext>
-    </p:extLst>
-  </p:cSld>
-  <p:clrMapOvr>
-    <a:masterClrMapping/>
-  </p:clrMapOvr>
-</p:sld>
-</file>
-
-<file path=ppt/slides/slide15.xml><?xml version="1.0" encoding="utf-8"?>
-<p:sld xmlns:a="http://schemas.openxmlformats.org/drawingml/2006/main" xmlns:r="http://schemas.openxmlformats.org/officeDocument/2006/relationships" xmlns:p="http://schemas.openxmlformats.org/presentationml/2006/main">
-  <p:cSld>
-    <p:spTree>
-      <p:nvGrpSpPr>
-        <p:cNvPr id="1" name=""/>
-        <p:cNvGrpSpPr/>
-        <p:nvPr/>
-      </p:nvGrpSpPr>
-      <p:grpSpPr>
-        <a:xfrm>
-          <a:off x="0" y="0"/>
-          <a:ext cx="0" cy="0"/>
-          <a:chOff x="0" y="0"/>
-          <a:chExt cx="0" cy="0"/>
-        </a:xfrm>
-      </p:grpSpPr>
-      <p:pic>
-        <p:nvPicPr>
-          <p:cNvPr id="1026" name="Picture 2" descr="https://upload.wikimedia.org/wikipedia/commons/thumb/c/c6/Exp.svg/800px-Exp.svg.png">
-            <a:extLst>
-              <a:ext uri="{FF2B5EF4-FFF2-40B4-BE49-F238E27FC236}">
-                <a16:creationId xmlns:a16="http://schemas.microsoft.com/office/drawing/2014/main" id="{8F729C84-87E1-492D-9EFE-34F46EF315E4}"/>
-              </a:ext>
-            </a:extLst>
-          </p:cNvPr>
-          <p:cNvPicPr>
-            <a:picLocks noChangeAspect="1" noChangeArrowheads="1"/>
-          </p:cNvPicPr>
-          <p:nvPr/>
-        </p:nvPicPr>
-        <p:blipFill>
-          <a:blip r:embed="rId2">
-            <a:extLst>
-              <a:ext uri="{28A0092B-C50C-407E-A947-70E740481C1C}">
-                <a14:useLocalDpi xmlns:a14="http://schemas.microsoft.com/office/drawing/2010/main" val="0"/>
-              </a:ext>
-            </a:extLst>
-          </a:blip>
-          <a:srcRect/>
-          <a:stretch>
-            <a:fillRect/>
-          </a:stretch>
-        </p:blipFill>
-        <p:spPr bwMode="auto">
-          <a:xfrm>
-            <a:off x="2637945" y="991695"/>
-            <a:ext cx="6708889" cy="5031667"/>
-          </a:xfrm>
-          <a:prstGeom prst="rect">
-            <a:avLst/>
-          </a:prstGeom>
-          <a:noFill/>
-          <a:extLst>
-            <a:ext uri="{909E8E84-426E-40DD-AFC4-6F175D3DCCD1}">
-              <a14:hiddenFill xmlns:a14="http://schemas.microsoft.com/office/drawing/2010/main">
-                <a:solidFill>
-                  <a:srgbClr val="FFFFFF"/>
-                </a:solidFill>
-              </a14:hiddenFill>
-            </a:ext>
-          </a:extLst>
-        </p:spPr>
-      </p:pic>
-      <p:sp>
-        <p:nvSpPr>
-          <p:cNvPr id="2" name="TextBox 1">
-            <a:extLst>
-              <a:ext uri="{FF2B5EF4-FFF2-40B4-BE49-F238E27FC236}">
-                <a16:creationId xmlns:a16="http://schemas.microsoft.com/office/drawing/2014/main" id="{BECD9745-B800-F7C4-2DB5-6BF8CA71E08B}"/>
-              </a:ext>
-            </a:extLst>
-          </p:cNvPr>
-          <p:cNvSpPr txBox="1"/>
-          <p:nvPr/>
-        </p:nvSpPr>
-        <p:spPr>
-          <a:xfrm>
-            <a:off x="241301" y="129804"/>
-            <a:ext cx="11747500" cy="523220"/>
-          </a:xfrm>
-          <a:prstGeom prst="rect">
-            <a:avLst/>
-          </a:prstGeom>
-          <a:noFill/>
-        </p:spPr>
-        <p:txBody>
-          <a:bodyPr wrap="square" rtlCol="0">
-            <a:spAutoFit/>
-          </a:bodyPr>
-          <a:lstStyle/>
-          <a:p>
-            <a:r>
-              <a:rPr lang="en-US" sz="2800" dirty="0">
-                <a:latin typeface="+mj-lt"/>
-                <a:ea typeface="Lato" panose="020B0604020202020204" pitchFamily="34" charset="0"/>
-                <a:cs typeface="Helvetica" panose="020B0604020202020204" pitchFamily="34" charset="0"/>
-              </a:rPr>
-              <a:t>boosting: </a:t>
-            </a:r>
-            <a:r>
-              <a:rPr lang="en-US" sz="2800" dirty="0" err="1">
-                <a:latin typeface="+mj-lt"/>
-                <a:ea typeface="Lato" panose="020B0604020202020204" pitchFamily="34" charset="0"/>
-                <a:cs typeface="Helvetica" panose="020B0604020202020204" pitchFamily="34" charset="0"/>
-              </a:rPr>
-              <a:t>Adaboost</a:t>
-            </a:r>
-            <a:endParaRPr lang="en-GB" sz="2800" dirty="0">
-              <a:latin typeface="+mj-lt"/>
-              <a:ea typeface="Lato" panose="020B0604020202020204" pitchFamily="34" charset="0"/>
-              <a:cs typeface="Helvetica" panose="020B0604020202020204" pitchFamily="34" charset="0"/>
-            </a:endParaRPr>
-          </a:p>
-        </p:txBody>
-      </p:sp>
-    </p:spTree>
-    <p:extLst>
-      <p:ext uri="{BB962C8B-B14F-4D97-AF65-F5344CB8AC3E}">
-        <p14:creationId xmlns:p14="http://schemas.microsoft.com/office/powerpoint/2010/main" val="3516859904"/>
-      </p:ext>
-    </p:extLst>
-  </p:cSld>
-  <p:clrMapOvr>
-    <a:masterClrMapping/>
-  </p:clrMapOvr>
-</p:sld>
-</file>
-
-<file path=ppt/slides/slide16.xml><?xml version="1.0" encoding="utf-8"?>
-<p:sld xmlns:a="http://schemas.openxmlformats.org/drawingml/2006/main" xmlns:r="http://schemas.openxmlformats.org/officeDocument/2006/relationships" xmlns:p="http://schemas.openxmlformats.org/presentationml/2006/main">
-  <p:cSld>
-    <p:spTree>
-      <p:nvGrpSpPr>
-        <p:cNvPr id="1" name=""/>
-        <p:cNvGrpSpPr/>
-        <p:nvPr/>
-      </p:nvGrpSpPr>
-      <p:grpSpPr>
-        <a:xfrm>
-          <a:off x="0" y="0"/>
-          <a:ext cx="0" cy="0"/>
-          <a:chOff x="0" y="0"/>
-          <a:chExt cx="0" cy="0"/>
-        </a:xfrm>
-      </p:grpSpPr>
-      <p:pic>
-        <p:nvPicPr>
-          <p:cNvPr id="4" name="Picture 3">
-            <a:extLst>
-              <a:ext uri="{FF2B5EF4-FFF2-40B4-BE49-F238E27FC236}">
-                <a16:creationId xmlns:a16="http://schemas.microsoft.com/office/drawing/2014/main" id="{CF077F02-FAEA-45FB-90A8-1445300D7370}"/>
-              </a:ext>
-            </a:extLst>
-          </p:cNvPr>
-          <p:cNvPicPr>
-            <a:picLocks noChangeAspect="1"/>
-          </p:cNvPicPr>
-          <p:nvPr/>
-        </p:nvPicPr>
-        <p:blipFill>
-          <a:blip r:embed="rId3"/>
-          <a:stretch>
-            <a:fillRect/>
-          </a:stretch>
-        </p:blipFill>
-        <p:spPr>
-          <a:xfrm>
-            <a:off x="788631" y="1237593"/>
-            <a:ext cx="5129351" cy="3577499"/>
-          </a:xfrm>
-          <a:prstGeom prst="rect">
-            <a:avLst/>
-          </a:prstGeom>
-        </p:spPr>
-      </p:pic>
-      <p:pic>
-        <p:nvPicPr>
-          <p:cNvPr id="7" name="Picture 6">
-            <a:extLst>
-              <a:ext uri="{FF2B5EF4-FFF2-40B4-BE49-F238E27FC236}">
-                <a16:creationId xmlns:a16="http://schemas.microsoft.com/office/drawing/2014/main" id="{B48B27E3-C171-4963-92F5-2AFAB60309BE}"/>
-              </a:ext>
-            </a:extLst>
-          </p:cNvPr>
-          <p:cNvPicPr>
-            <a:picLocks noChangeAspect="1"/>
-          </p:cNvPicPr>
-          <p:nvPr/>
-        </p:nvPicPr>
-        <p:blipFill>
-          <a:blip r:embed="rId4"/>
-          <a:stretch>
-            <a:fillRect/>
-          </a:stretch>
-        </p:blipFill>
-        <p:spPr>
-          <a:xfrm>
-            <a:off x="4639487" y="4984220"/>
-            <a:ext cx="2821276" cy="1180875"/>
-          </a:xfrm>
-          <a:prstGeom prst="rect">
-            <a:avLst/>
-          </a:prstGeom>
-        </p:spPr>
-      </p:pic>
-      <p:sp>
-        <p:nvSpPr>
-          <p:cNvPr id="11" name="TextBox 10">
-            <a:extLst>
-              <a:ext uri="{FF2B5EF4-FFF2-40B4-BE49-F238E27FC236}">
-                <a16:creationId xmlns:a16="http://schemas.microsoft.com/office/drawing/2014/main" id="{08D1CD4C-9C37-4319-98C6-2129F249395B}"/>
-              </a:ext>
-            </a:extLst>
-          </p:cNvPr>
-          <p:cNvSpPr txBox="1"/>
-          <p:nvPr/>
-        </p:nvSpPr>
-        <p:spPr>
-          <a:xfrm>
-            <a:off x="6511158" y="1206337"/>
-            <a:ext cx="5044966" cy="3693319"/>
-          </a:xfrm>
-          <a:prstGeom prst="rect">
-            <a:avLst/>
-          </a:prstGeom>
-          <a:noFill/>
-        </p:spPr>
-        <p:txBody>
-          <a:bodyPr wrap="square" rtlCol="0">
-            <a:spAutoFit/>
-          </a:bodyPr>
-          <a:lstStyle/>
-          <a:p>
-            <a:pPr marL="285750" indent="-285750">
-              <a:buFont typeface="Courier New" panose="02070309020205020404" pitchFamily="49" charset="0"/>
-              <a:buChar char="o"/>
-            </a:pPr>
-            <a:r>
-              <a:rPr lang="en-GB" dirty="0"/>
-              <a:t>The weight of a weak model in the boosted meta-model increases exponentially as the error approaches 0. Better models are given exponentially more weight.</a:t>
-            </a:r>
-          </a:p>
-          <a:p>
-            <a:pPr marL="285750" indent="-285750">
-              <a:buFont typeface="Courier New" panose="02070309020205020404" pitchFamily="49" charset="0"/>
-              <a:buChar char="o"/>
-            </a:pPr>
-            <a:endParaRPr lang="en-GB" dirty="0"/>
-          </a:p>
-          <a:p>
-            <a:pPr marL="285750" indent="-285750">
-              <a:buFont typeface="Courier New" panose="02070309020205020404" pitchFamily="49" charset="0"/>
-              <a:buChar char="o"/>
-            </a:pPr>
-            <a:r>
-              <a:rPr lang="en-GB" dirty="0"/>
-              <a:t>The weight is zero if the error rate is 0.5. A model with 50% accuracy is no better than random guessing, so it is ignored.</a:t>
-            </a:r>
-          </a:p>
-          <a:p>
-            <a:pPr marL="285750" indent="-285750">
-              <a:buFont typeface="Courier New" panose="02070309020205020404" pitchFamily="49" charset="0"/>
-              <a:buChar char="o"/>
-            </a:pPr>
-            <a:endParaRPr lang="en-GB" dirty="0"/>
-          </a:p>
-          <a:p>
-            <a:pPr marL="285750" indent="-285750">
-              <a:buFont typeface="Courier New" panose="02070309020205020404" pitchFamily="49" charset="0"/>
-              <a:buChar char="o"/>
-            </a:pPr>
-            <a:r>
-              <a:rPr lang="en-GB" dirty="0"/>
-              <a:t>The weight decreases exponentially as the error approaches 1. A negative weight is given to classifiers with worse than 50% accuracy. “Whatever that classifier says, do the opposite!”.</a:t>
-            </a:r>
-            <a:endParaRPr lang="nl-BE" dirty="0"/>
-          </a:p>
-        </p:txBody>
-      </p:sp>
-      <p:sp>
-        <p:nvSpPr>
-          <p:cNvPr id="3" name="TextBox 2">
-            <a:extLst>
-              <a:ext uri="{FF2B5EF4-FFF2-40B4-BE49-F238E27FC236}">
-                <a16:creationId xmlns:a16="http://schemas.microsoft.com/office/drawing/2014/main" id="{A23DCAF8-9428-757C-E6AE-5BB47A45C10E}"/>
-              </a:ext>
-            </a:extLst>
-          </p:cNvPr>
-          <p:cNvSpPr txBox="1"/>
-          <p:nvPr/>
-        </p:nvSpPr>
-        <p:spPr>
-          <a:xfrm>
-            <a:off x="241301" y="129804"/>
-            <a:ext cx="11747500" cy="523220"/>
-          </a:xfrm>
-          <a:prstGeom prst="rect">
-            <a:avLst/>
-          </a:prstGeom>
-          <a:noFill/>
-        </p:spPr>
-        <p:txBody>
-          <a:bodyPr wrap="square" rtlCol="0">
-            <a:spAutoFit/>
-          </a:bodyPr>
-          <a:lstStyle/>
-          <a:p>
-            <a:r>
-              <a:rPr lang="en-US" sz="2800" dirty="0">
-                <a:latin typeface="+mj-lt"/>
-                <a:ea typeface="Lato" panose="020B0604020202020204" pitchFamily="34" charset="0"/>
-                <a:cs typeface="Helvetica" panose="020B0604020202020204" pitchFamily="34" charset="0"/>
-              </a:rPr>
-              <a:t>boosting: </a:t>
-            </a:r>
-            <a:r>
-              <a:rPr lang="en-US" sz="2800" dirty="0" err="1">
-                <a:latin typeface="+mj-lt"/>
-                <a:ea typeface="Lato" panose="020B0604020202020204" pitchFamily="34" charset="0"/>
-                <a:cs typeface="Helvetica" panose="020B0604020202020204" pitchFamily="34" charset="0"/>
-              </a:rPr>
-              <a:t>Adaboost</a:t>
-            </a:r>
-            <a:endParaRPr lang="en-GB" sz="2800" dirty="0">
-              <a:latin typeface="+mj-lt"/>
-              <a:ea typeface="Lato" panose="020B0604020202020204" pitchFamily="34" charset="0"/>
-              <a:cs typeface="Helvetica" panose="020B0604020202020204" pitchFamily="34" charset="0"/>
-            </a:endParaRPr>
-          </a:p>
-        </p:txBody>
-      </p:sp>
-    </p:spTree>
-    <p:extLst>
-      <p:ext uri="{BB962C8B-B14F-4D97-AF65-F5344CB8AC3E}">
-        <p14:creationId xmlns:p14="http://schemas.microsoft.com/office/powerpoint/2010/main" val="1745475178"/>
-      </p:ext>
-    </p:extLst>
-  </p:cSld>
-  <p:clrMapOvr>
-    <a:masterClrMapping/>
-  </p:clrMapOvr>
-</p:sld>
-</file>
-
-<file path=ppt/slides/slide17.xml><?xml version="1.0" encoding="utf-8"?>
-<p:sld xmlns:a="http://schemas.openxmlformats.org/drawingml/2006/main" xmlns:r="http://schemas.openxmlformats.org/officeDocument/2006/relationships" xmlns:p="http://schemas.openxmlformats.org/presentationml/2006/main">
-  <p:cSld>
-    <p:spTree>
-      <p:nvGrpSpPr>
-        <p:cNvPr id="1" name=""/>
-        <p:cNvGrpSpPr/>
-        <p:nvPr/>
-      </p:nvGrpSpPr>
-      <p:grpSpPr>
-        <a:xfrm>
-          <a:off x="0" y="0"/>
-          <a:ext cx="0" cy="0"/>
-          <a:chOff x="0" y="0"/>
-          <a:chExt cx="0" cy="0"/>
-        </a:xfrm>
-      </p:grpSpPr>
-      <p:pic>
-        <p:nvPicPr>
-          <p:cNvPr id="3" name="Picture 2">
-            <a:extLst>
-              <a:ext uri="{FF2B5EF4-FFF2-40B4-BE49-F238E27FC236}">
-                <a16:creationId xmlns:a16="http://schemas.microsoft.com/office/drawing/2014/main" id="{E2D10274-E285-4C03-8EC7-C9C0E671A447}"/>
-              </a:ext>
-            </a:extLst>
-          </p:cNvPr>
-          <p:cNvPicPr>
-            <a:picLocks noChangeAspect="1"/>
-          </p:cNvPicPr>
-          <p:nvPr/>
-        </p:nvPicPr>
-        <p:blipFill>
-          <a:blip r:embed="rId3"/>
-          <a:stretch>
-            <a:fillRect/>
-          </a:stretch>
-        </p:blipFill>
-        <p:spPr>
-          <a:xfrm>
-            <a:off x="7910" y="1563896"/>
-            <a:ext cx="11980891" cy="4295037"/>
-          </a:xfrm>
-          <a:prstGeom prst="rect">
-            <a:avLst/>
-          </a:prstGeom>
-        </p:spPr>
-      </p:pic>
-      <p:sp>
-        <p:nvSpPr>
-          <p:cNvPr id="4" name="TextBox 3">
-            <a:extLst>
-              <a:ext uri="{FF2B5EF4-FFF2-40B4-BE49-F238E27FC236}">
-                <a16:creationId xmlns:a16="http://schemas.microsoft.com/office/drawing/2014/main" id="{D88A1296-B9F1-0010-1E0F-26636DB13A86}"/>
-              </a:ext>
-            </a:extLst>
-          </p:cNvPr>
-          <p:cNvSpPr txBox="1"/>
-          <p:nvPr/>
-        </p:nvSpPr>
-        <p:spPr>
-          <a:xfrm>
-            <a:off x="241301" y="129804"/>
-            <a:ext cx="11747500" cy="523220"/>
-          </a:xfrm>
-          <a:prstGeom prst="rect">
-            <a:avLst/>
-          </a:prstGeom>
-          <a:noFill/>
-        </p:spPr>
-        <p:txBody>
-          <a:bodyPr wrap="square" rtlCol="0">
-            <a:spAutoFit/>
-          </a:bodyPr>
-          <a:lstStyle/>
-          <a:p>
-            <a:r>
-              <a:rPr lang="en-US" sz="2800" dirty="0">
-                <a:latin typeface="+mj-lt"/>
-                <a:ea typeface="Lato" panose="020B0604020202020204" pitchFamily="34" charset="0"/>
-                <a:cs typeface="Helvetica" panose="020B0604020202020204" pitchFamily="34" charset="0"/>
-              </a:rPr>
-              <a:t>boosting: </a:t>
-            </a:r>
-            <a:r>
-              <a:rPr lang="en-US" sz="2800" dirty="0" err="1">
-                <a:latin typeface="+mj-lt"/>
-                <a:ea typeface="Lato" panose="020B0604020202020204" pitchFamily="34" charset="0"/>
-                <a:cs typeface="Helvetica" panose="020B0604020202020204" pitchFamily="34" charset="0"/>
-              </a:rPr>
-              <a:t>Adaboost</a:t>
-            </a:r>
-            <a:endParaRPr lang="en-GB" sz="2800" dirty="0">
-              <a:latin typeface="+mj-lt"/>
-              <a:ea typeface="Lato" panose="020B0604020202020204" pitchFamily="34" charset="0"/>
-              <a:cs typeface="Helvetica" panose="020B0604020202020204" pitchFamily="34" charset="0"/>
-            </a:endParaRPr>
-          </a:p>
-        </p:txBody>
-      </p:sp>
-    </p:spTree>
-    <p:extLst>
-      <p:ext uri="{BB962C8B-B14F-4D97-AF65-F5344CB8AC3E}">
-        <p14:creationId xmlns:p14="http://schemas.microsoft.com/office/powerpoint/2010/main" val="1820715527"/>
-      </p:ext>
-    </p:extLst>
-  </p:cSld>
-  <p:clrMapOvr>
-    <a:masterClrMapping/>
-  </p:clrMapOvr>
-</p:sld>
-</file>
-
-<file path=ppt/slides/slide18.xml><?xml version="1.0" encoding="utf-8"?>
-<p:sld xmlns:a="http://schemas.openxmlformats.org/drawingml/2006/main" xmlns:r="http://schemas.openxmlformats.org/officeDocument/2006/relationships" xmlns:p="http://schemas.openxmlformats.org/presentationml/2006/main">
-  <p:cSld>
-    <p:spTree>
-      <p:nvGrpSpPr>
-        <p:cNvPr id="1" name=""/>
-        <p:cNvGrpSpPr/>
-        <p:nvPr/>
-      </p:nvGrpSpPr>
-      <p:grpSpPr>
-        <a:xfrm>
-          <a:off x="0" y="0"/>
-          <a:ext cx="0" cy="0"/>
-          <a:chOff x="0" y="0"/>
-          <a:chExt cx="0" cy="0"/>
-        </a:xfrm>
-      </p:grpSpPr>
-      <p:pic>
-        <p:nvPicPr>
           <p:cNvPr id="5" name="Picture 4">
             <a:extLst>
               <a:ext uri="{FF2B5EF4-FFF2-40B4-BE49-F238E27FC236}">
@@ -6719,7 +5885,7 @@
 </p:sld>
 </file>
 
-<file path=ppt/slides/slide19.xml><?xml version="1.0" encoding="utf-8"?>
+<file path=ppt/slides/slide15.xml><?xml version="1.0" encoding="utf-8"?>
 <p:sld xmlns:a="http://schemas.openxmlformats.org/drawingml/2006/main" xmlns:r="http://schemas.openxmlformats.org/officeDocument/2006/relationships" xmlns:p="http://schemas.openxmlformats.org/presentationml/2006/main">
   <p:cSld>
     <p:spTree>
@@ -6807,6 +5973,44 @@
               <a:ea typeface="Lato" panose="020B0604020202020204" pitchFamily="34" charset="0"/>
               <a:cs typeface="Helvetica" panose="020B0604020202020204" pitchFamily="34" charset="0"/>
             </a:endParaRPr>
+          </a:p>
+        </p:txBody>
+      </p:sp>
+      <p:sp>
+        <p:nvSpPr>
+          <p:cNvPr id="5" name="TextBox 4">
+            <a:extLst>
+              <a:ext uri="{FF2B5EF4-FFF2-40B4-BE49-F238E27FC236}">
+                <a16:creationId xmlns:a16="http://schemas.microsoft.com/office/drawing/2014/main" id="{E82FD8A4-8563-78B7-3318-05DC4D6C319C}"/>
+              </a:ext>
+            </a:extLst>
+          </p:cNvPr>
+          <p:cNvSpPr txBox="1"/>
+          <p:nvPr/>
+        </p:nvSpPr>
+        <p:spPr>
+          <a:xfrm>
+            <a:off x="653143" y="5883150"/>
+            <a:ext cx="6096000" cy="369332"/>
+          </a:xfrm>
+          <a:prstGeom prst="rect">
+            <a:avLst/>
+          </a:prstGeom>
+          <a:noFill/>
+        </p:spPr>
+        <p:txBody>
+          <a:bodyPr wrap="square">
+            <a:spAutoFit/>
+          </a:bodyPr>
+          <a:lstStyle/>
+          <a:p>
+            <a:r>
+              <a:rPr lang="nl-BE" dirty="0">
+                <a:hlinkClick r:id="rId4"/>
+              </a:rPr>
+              <a:t>Gradient Boosting explained [demonstration]</a:t>
+            </a:r>
+            <a:endParaRPr lang="en-NL" dirty="0"/>
           </a:p>
         </p:txBody>
       </p:sp>
@@ -7680,7 +6884,13 @@
   <p:cSld>
     <p:spTree>
       <p:nvGrpSpPr>
-        <p:cNvPr id="1" name=""/>
+        <p:cNvPr id="1" name="">
+          <a:extLst>
+            <a:ext uri="{FF2B5EF4-FFF2-40B4-BE49-F238E27FC236}">
+              <a16:creationId xmlns:a16="http://schemas.microsoft.com/office/drawing/2014/main" id="{270915E7-BA7A-1F8F-AA1A-1CC4891BE308}"/>
+            </a:ext>
+          </a:extLst>
+        </p:cNvPr>
         <p:cNvGrpSpPr/>
         <p:nvPr/>
       </p:nvGrpSpPr>
@@ -7694,7 +6904,13 @@
       </p:grpSpPr>
       <p:pic>
         <p:nvPicPr>
-          <p:cNvPr id="1026" name="Picture 2" descr="Related image"/>
+          <p:cNvPr id="1026" name="Picture 2" descr="Related image">
+            <a:extLst>
+              <a:ext uri="{FF2B5EF4-FFF2-40B4-BE49-F238E27FC236}">
+                <a16:creationId xmlns:a16="http://schemas.microsoft.com/office/drawing/2014/main" id="{60FD75AE-5908-D4DC-FB8B-4244FD5D4A22}"/>
+              </a:ext>
+            </a:extLst>
+          </p:cNvPr>
           <p:cNvPicPr>
             <a:picLocks noChangeAspect="1" noChangeArrowheads="1"/>
           </p:cNvPicPr>
@@ -7738,7 +6954,7 @@
           <p:cNvPr id="4" name="TextBox 3">
             <a:extLst>
               <a:ext uri="{FF2B5EF4-FFF2-40B4-BE49-F238E27FC236}">
-                <a16:creationId xmlns:a16="http://schemas.microsoft.com/office/drawing/2014/main" id="{5F58C82C-9AC5-4BA2-A37C-598E04CBAA78}"/>
+                <a16:creationId xmlns:a16="http://schemas.microsoft.com/office/drawing/2014/main" id="{74850351-B665-1124-9850-141925650539}"/>
               </a:ext>
             </a:extLst>
           </p:cNvPr>
@@ -7747,8 +6963,8 @@
         </p:nvSpPr>
         <p:spPr>
           <a:xfrm>
-            <a:off x="729720" y="2485910"/>
-            <a:ext cx="4055000" cy="2215991"/>
+            <a:off x="757451" y="1745682"/>
+            <a:ext cx="2875629" cy="4062651"/>
           </a:xfrm>
           <a:prstGeom prst="rect">
             <a:avLst/>
@@ -7769,6 +6985,22 @@
             </a:r>
           </a:p>
           <a:p>
+            <a:r>
+              <a:rPr lang="nl-BE" sz="2400" dirty="0">
+                <a:latin typeface="Calibri" panose="020F0502020204030204" pitchFamily="34" charset="0"/>
+              </a:rPr>
+              <a:t>(systematic errors,</a:t>
+            </a:r>
+          </a:p>
+          <a:p>
+            <a:r>
+              <a:rPr lang="nl-BE" sz="2400" dirty="0">
+                <a:latin typeface="Calibri" panose="020F0502020204030204" pitchFamily="34" charset="0"/>
+              </a:rPr>
+              <a:t>oversimplification)</a:t>
+            </a:r>
+          </a:p>
+          <a:p>
             <a:endParaRPr lang="nl-BE" sz="2400" dirty="0">
               <a:latin typeface="Calibri" panose="020F0502020204030204" pitchFamily="34" charset="0"/>
             </a:endParaRPr>
@@ -7779,6 +7011,22 @@
                 <a:latin typeface="Calibri" panose="020F0502020204030204" pitchFamily="34" charset="0"/>
               </a:rPr>
               <a:t>Error due to variance</a:t>
+            </a:r>
+          </a:p>
+          <a:p>
+            <a:r>
+              <a:rPr lang="nl-BE" sz="2400" dirty="0">
+                <a:latin typeface="Calibri" panose="020F0502020204030204" pitchFamily="34" charset="0"/>
+              </a:rPr>
+              <a:t>(sensitivity due to flexibility,</a:t>
+            </a:r>
+          </a:p>
+          <a:p>
+            <a:r>
+              <a:rPr lang="nl-BE" sz="2400" dirty="0">
+                <a:latin typeface="Calibri" panose="020F0502020204030204" pitchFamily="34" charset="0"/>
+              </a:rPr>
+              <a:t>overcomplification)</a:t>
             </a:r>
           </a:p>
           <a:p>
@@ -7813,7 +7061,7 @@
           <p:cNvPr id="2" name="TextBox 1">
             <a:extLst>
               <a:ext uri="{FF2B5EF4-FFF2-40B4-BE49-F238E27FC236}">
-                <a16:creationId xmlns:a16="http://schemas.microsoft.com/office/drawing/2014/main" id="{381A4D83-8923-046F-59D3-28BFB085DD87}"/>
+                <a16:creationId xmlns:a16="http://schemas.microsoft.com/office/drawing/2014/main" id="{76DBF4D3-3E4E-965E-1E3A-DA46F42CD933}"/>
               </a:ext>
             </a:extLst>
           </p:cNvPr>
@@ -7855,7 +7103,7 @@
     </p:spTree>
     <p:extLst>
       <p:ext uri="{BB962C8B-B14F-4D97-AF65-F5344CB8AC3E}">
-        <p14:creationId xmlns:p14="http://schemas.microsoft.com/office/powerpoint/2010/main" val="3376430550"/>
+        <p14:creationId xmlns:p14="http://schemas.microsoft.com/office/powerpoint/2010/main" val="4034051223"/>
       </p:ext>
     </p:extLst>
   </p:cSld>
